--- a/presentation.pptx
+++ b/presentation.pptx
@@ -9,10 +9,10 @@
   </p:notesMasterIdLst>
   <p:sldIdLst>
     <p:sldId id="256" r:id="rId2"/>
-    <p:sldId id="262" r:id="rId3"/>
-    <p:sldId id="257" r:id="rId4"/>
-    <p:sldId id="258" r:id="rId5"/>
-    <p:sldId id="259" r:id="rId6"/>
+    <p:sldId id="257" r:id="rId3"/>
+    <p:sldId id="263" r:id="rId4"/>
+    <p:sldId id="259" r:id="rId5"/>
+    <p:sldId id="258" r:id="rId6"/>
     <p:sldId id="261" r:id="rId7"/>
     <p:sldId id="260" r:id="rId8"/>
   </p:sldIdLst>
@@ -377,7 +377,7 @@
           <a:p>
             <a:fld id="{36A2AC88-A8EC-4C0A-99B0-34A1B8D022D2}" type="slidenum">
               <a:rPr lang="fr-CH" smtClean="0"/>
-              <a:t>‹N°›</a:t>
+              <a:t>‹#›</a:t>
             </a:fld>
             <a:endParaRPr lang="fr-CH"/>
           </a:p>
@@ -486,90 +486,6 @@
 </p:notesMaster>
 </file>
 
-<file path=ppt/notesSlides/notesSlide1.xml><?xml version="1.0" encoding="utf-8"?>
-<p:notes xmlns:a="http://schemas.openxmlformats.org/drawingml/2006/main" xmlns:r="http://schemas.openxmlformats.org/officeDocument/2006/relationships" xmlns:p="http://schemas.openxmlformats.org/presentationml/2006/main">
-  <p:cSld>
-    <p:spTree>
-      <p:nvGrpSpPr>
-        <p:cNvPr id="1" name=""/>
-        <p:cNvGrpSpPr/>
-        <p:nvPr/>
-      </p:nvGrpSpPr>
-      <p:grpSpPr>
-        <a:xfrm>
-          <a:off x="0" y="0"/>
-          <a:ext cx="0" cy="0"/>
-          <a:chOff x="0" y="0"/>
-          <a:chExt cx="0" cy="0"/>
-        </a:xfrm>
-      </p:grpSpPr>
-      <p:sp>
-        <p:nvSpPr>
-          <p:cNvPr id="2" name="Espace réservé de l'image des diapositives 1"/>
-          <p:cNvSpPr>
-            <a:spLocks noGrp="1" noRot="1" noChangeAspect="1"/>
-          </p:cNvSpPr>
-          <p:nvPr>
-            <p:ph type="sldImg"/>
-          </p:nvPr>
-        </p:nvSpPr>
-        <p:spPr/>
-      </p:sp>
-      <p:sp>
-        <p:nvSpPr>
-          <p:cNvPr id="3" name="Espace réservé des notes 2"/>
-          <p:cNvSpPr>
-            <a:spLocks noGrp="1"/>
-          </p:cNvSpPr>
-          <p:nvPr>
-            <p:ph type="body" idx="1"/>
-          </p:nvPr>
-        </p:nvSpPr>
-        <p:spPr/>
-        <p:txBody>
-          <a:bodyPr/>
-          <a:lstStyle/>
-          <a:p>
-            <a:endParaRPr lang="fr-CH" dirty="0"/>
-          </a:p>
-        </p:txBody>
-      </p:sp>
-      <p:sp>
-        <p:nvSpPr>
-          <p:cNvPr id="4" name="Espace réservé du numéro de diapositive 3"/>
-          <p:cNvSpPr>
-            <a:spLocks noGrp="1"/>
-          </p:cNvSpPr>
-          <p:nvPr>
-            <p:ph type="sldNum" sz="quarter" idx="10"/>
-          </p:nvPr>
-        </p:nvSpPr>
-        <p:spPr/>
-        <p:txBody>
-          <a:bodyPr/>
-          <a:lstStyle/>
-          <a:p>
-            <a:fld id="{36A2AC88-A8EC-4C0A-99B0-34A1B8D022D2}" type="slidenum">
-              <a:rPr lang="fr-CH" smtClean="0"/>
-              <a:t>2</a:t>
-            </a:fld>
-            <a:endParaRPr lang="fr-CH"/>
-          </a:p>
-        </p:txBody>
-      </p:sp>
-    </p:spTree>
-    <p:extLst>
-      <p:ext uri="{BB962C8B-B14F-4D97-AF65-F5344CB8AC3E}">
-        <p14:creationId xmlns:p14="http://schemas.microsoft.com/office/powerpoint/2010/main" val="2652674153"/>
-      </p:ext>
-    </p:extLst>
-  </p:cSld>
-  <p:clrMapOvr>
-    <a:masterClrMapping/>
-  </p:clrMapOvr>
-</p:notes>
-</file>
-
 <file path=ppt/slideLayouts/slideLayout1.xml><?xml version="1.0" encoding="utf-8"?>
 <p:sldLayout xmlns:a="http://schemas.openxmlformats.org/drawingml/2006/main" xmlns:r="http://schemas.openxmlformats.org/officeDocument/2006/relationships" xmlns:p="http://schemas.openxmlformats.org/presentationml/2006/main" type="title" preserve="1">
   <p:cSld name="Diapositive de titre">
@@ -881,7 +797,7 @@
           <a:p>
             <a:fld id="{F2964738-575C-41CB-90F1-867883C7D0AA}" type="slidenum">
               <a:rPr lang="fr-CH" smtClean="0"/>
-              <a:t>‹N°›</a:t>
+              <a:t>‹#›</a:t>
             </a:fld>
             <a:endParaRPr lang="fr-CH"/>
           </a:p>
@@ -1217,7 +1133,7 @@
           <a:p>
             <a:fld id="{F2964738-575C-41CB-90F1-867883C7D0AA}" type="slidenum">
               <a:rPr lang="fr-CH" smtClean="0"/>
-              <a:t>‹N°›</a:t>
+              <a:t>‹#›</a:t>
             </a:fld>
             <a:endParaRPr lang="fr-CH"/>
           </a:p>
@@ -1616,7 +1532,7 @@
           <a:p>
             <a:fld id="{F2964738-575C-41CB-90F1-867883C7D0AA}" type="slidenum">
               <a:rPr lang="fr-CH" smtClean="0"/>
-              <a:t>‹N°›</a:t>
+              <a:t>‹#›</a:t>
             </a:fld>
             <a:endParaRPr lang="fr-CH"/>
           </a:p>
@@ -1950,7 +1866,7 @@
           <a:p>
             <a:fld id="{F2964738-575C-41CB-90F1-867883C7D0AA}" type="slidenum">
               <a:rPr lang="fr-CH" smtClean="0"/>
-              <a:t>‹N°›</a:t>
+              <a:t>‹#›</a:t>
             </a:fld>
             <a:endParaRPr lang="fr-CH"/>
           </a:p>
@@ -2268,7 +2184,7 @@
           <a:p>
             <a:fld id="{F2964738-575C-41CB-90F1-867883C7D0AA}" type="slidenum">
               <a:rPr lang="fr-CH" smtClean="0"/>
-              <a:t>‹N°›</a:t>
+              <a:t>‹#›</a:t>
             </a:fld>
             <a:endParaRPr lang="fr-CH"/>
           </a:p>
@@ -2662,7 +2578,7 @@
           <a:p>
             <a:fld id="{F2964738-575C-41CB-90F1-867883C7D0AA}" type="slidenum">
               <a:rPr lang="fr-CH" smtClean="0"/>
-              <a:t>‹N°›</a:t>
+              <a:t>‹#›</a:t>
             </a:fld>
             <a:endParaRPr lang="fr-CH"/>
           </a:p>
@@ -2912,7 +2828,7 @@
           <a:p>
             <a:fld id="{F2964738-575C-41CB-90F1-867883C7D0AA}" type="slidenum">
               <a:rPr lang="fr-CH" smtClean="0"/>
-              <a:t>‹N°›</a:t>
+              <a:t>‹#›</a:t>
             </a:fld>
             <a:endParaRPr lang="fr-CH"/>
           </a:p>
@@ -3172,7 +3088,7 @@
           <a:p>
             <a:fld id="{F2964738-575C-41CB-90F1-867883C7D0AA}" type="slidenum">
               <a:rPr lang="fr-CH" smtClean="0"/>
-              <a:t>‹N°›</a:t>
+              <a:t>‹#›</a:t>
             </a:fld>
             <a:endParaRPr lang="fr-CH"/>
           </a:p>
@@ -3432,7 +3348,7 @@
           <a:p>
             <a:fld id="{F2964738-575C-41CB-90F1-867883C7D0AA}" type="slidenum">
               <a:rPr lang="fr-CH" smtClean="0"/>
-              <a:t>‹N°›</a:t>
+              <a:t>‹#›</a:t>
             </a:fld>
             <a:endParaRPr lang="fr-CH"/>
           </a:p>
@@ -3488,7 +3404,7 @@
           <a:bodyPr anchor="b"/>
           <a:lstStyle>
             <a:lvl1pPr algn="l">
-              <a:defRPr sz="4000" b="0" cap="none"/>
+              <a:defRPr sz="4800" b="0" cap="none"/>
             </a:lvl1pPr>
           </a:lstStyle>
           <a:p>
@@ -3766,7 +3682,7 @@
           <a:p>
             <a:fld id="{F2964738-575C-41CB-90F1-867883C7D0AA}" type="slidenum">
               <a:rPr lang="fr-CH" smtClean="0"/>
-              <a:t>‹N°›</a:t>
+              <a:t>‹#›</a:t>
             </a:fld>
             <a:endParaRPr lang="fr-CH"/>
           </a:p>
@@ -4087,7 +4003,7 @@
           <a:p>
             <a:fld id="{F2964738-575C-41CB-90F1-867883C7D0AA}" type="slidenum">
               <a:rPr lang="fr-CH" smtClean="0"/>
-              <a:t>‹N°›</a:t>
+              <a:t>‹#›</a:t>
             </a:fld>
             <a:endParaRPr lang="fr-CH"/>
           </a:p>
@@ -4542,7 +4458,7 @@
           <a:p>
             <a:fld id="{F2964738-575C-41CB-90F1-867883C7D0AA}" type="slidenum">
               <a:rPr lang="fr-CH" smtClean="0"/>
-              <a:t>‹N°›</a:t>
+              <a:t>‹#›</a:t>
             </a:fld>
             <a:endParaRPr lang="fr-CH"/>
           </a:p>
@@ -4745,7 +4661,7 @@
           <a:p>
             <a:fld id="{F2964738-575C-41CB-90F1-867883C7D0AA}" type="slidenum">
               <a:rPr lang="fr-CH" smtClean="0"/>
-              <a:t>‹N°›</a:t>
+              <a:t>‹#›</a:t>
             </a:fld>
             <a:endParaRPr lang="fr-CH"/>
           </a:p>
@@ -4920,7 +4836,7 @@
           <a:p>
             <a:fld id="{F2964738-575C-41CB-90F1-867883C7D0AA}" type="slidenum">
               <a:rPr lang="fr-CH" smtClean="0"/>
-              <a:t>‹N°›</a:t>
+              <a:t>‹#›</a:t>
             </a:fld>
             <a:endParaRPr lang="fr-CH"/>
           </a:p>
@@ -5251,7 +5167,7 @@
           <a:p>
             <a:fld id="{F2964738-575C-41CB-90F1-867883C7D0AA}" type="slidenum">
               <a:rPr lang="fr-CH" smtClean="0"/>
-              <a:t>‹N°›</a:t>
+              <a:t>‹#›</a:t>
             </a:fld>
             <a:endParaRPr lang="fr-CH"/>
           </a:p>
@@ -5599,7 +5515,7 @@
           <a:p>
             <a:fld id="{F2964738-575C-41CB-90F1-867883C7D0AA}" type="slidenum">
               <a:rPr lang="fr-CH" smtClean="0"/>
-              <a:t>‹N°›</a:t>
+              <a:t>‹#›</a:t>
             </a:fld>
             <a:endParaRPr lang="fr-CH"/>
           </a:p>
@@ -7499,12 +7415,12 @@
         </p:spPr>
         <p:txBody>
           <a:bodyPr vert="horz" lIns="91440" tIns="45720" rIns="91440" bIns="45720" rtlCol="0" anchor="t">
-            <a:normAutofit/>
+            <a:noAutofit/>
           </a:bodyPr>
           <a:lstStyle/>
           <a:p>
             <a:r>
-              <a:rPr lang="fr-FR"/>
+              <a:rPr lang="fr-FR" dirty="0"/>
               <a:t>Modifiez le style du titre</a:t>
             </a:r>
             <a:endParaRPr lang="en-US" dirty="0"/>
@@ -7682,7 +7598,7 @@
             <a:fld id="{F2964738-575C-41CB-90F1-867883C7D0AA}" type="slidenum">
               <a:rPr lang="fr-CH" smtClean="0"/>
               <a:pPr/>
-              <a:t>‹N°›</a:t>
+              <a:t>‹#›</a:t>
             </a:fld>
             <a:endParaRPr lang="fr-CH"/>
           </a:p>
@@ -7721,7 +7637,7 @@
           <a:spcPct val="0"/>
         </a:spcBef>
         <a:buNone/>
-        <a:defRPr sz="4400" kern="1200">
+        <a:defRPr sz="5400" kern="1200">
           <a:solidFill>
             <a:schemeClr val="tx1"/>
           </a:solidFill>
@@ -8222,7 +8138,7 @@
           <p:cNvPr id="2" name="Titre 1">
             <a:extLst>
               <a:ext uri="{FF2B5EF4-FFF2-40B4-BE49-F238E27FC236}">
-                <a16:creationId xmlns:a16="http://schemas.microsoft.com/office/drawing/2014/main" id="{8C96E94C-EE44-4641-839F-BAF707C1B5EF}"/>
+                <a16:creationId xmlns:a16="http://schemas.microsoft.com/office/drawing/2014/main" id="{B272BF26-6C22-4E2A-93EB-F26E20B77F5C}"/>
               </a:ext>
             </a:extLst>
           </p:cNvPr>
@@ -8239,1029 +8155,70 @@
           <a:lstStyle/>
           <a:p>
             <a:r>
-              <a:rPr lang="fr-CH" dirty="0"/>
-              <a:t>Rôles</a:t>
-            </a:r>
-          </a:p>
-        </p:txBody>
-      </p:sp>
-      <p:sp>
-        <p:nvSpPr>
-          <p:cNvPr id="4" name="Espace réservé du texte 2">
+              <a:rPr lang="fr-CH" dirty="0" err="1"/>
+              <a:t>NukeMap</a:t>
+            </a:r>
+            <a:endParaRPr lang="fr-CH" dirty="0"/>
+          </a:p>
+        </p:txBody>
+      </p:sp>
+      <p:sp>
+        <p:nvSpPr>
+          <p:cNvPr id="3" name="Espace réservé du texte 2">
             <a:extLst>
               <a:ext uri="{FF2B5EF4-FFF2-40B4-BE49-F238E27FC236}">
-                <a16:creationId xmlns:a16="http://schemas.microsoft.com/office/drawing/2014/main" id="{5B3E193A-3F69-4972-9F82-FA148CCE9BE5}"/>
+                <a16:creationId xmlns:a16="http://schemas.microsoft.com/office/drawing/2014/main" id="{A7365E3C-1D59-45AF-9967-AA5FF7E2AD7D}"/>
               </a:ext>
             </a:extLst>
           </p:cNvPr>
-          <p:cNvSpPr txBox="1">
-            <a:spLocks/>
-          </p:cNvSpPr>
-          <p:nvPr/>
+          <p:cNvSpPr>
+            <a:spLocks noGrp="1"/>
+          </p:cNvSpPr>
+          <p:nvPr>
+            <p:ph type="body" idx="1"/>
+          </p:nvPr>
         </p:nvSpPr>
         <p:spPr>
           <a:xfrm>
-            <a:off x="3958225" y="3581398"/>
-            <a:ext cx="1800000" cy="2268255"/>
+            <a:off x="1942415" y="3581399"/>
+            <a:ext cx="6591985" cy="1814466"/>
           </a:xfrm>
-          <a:prstGeom prst="rect">
-            <a:avLst/>
-          </a:prstGeom>
         </p:spPr>
         <p:txBody>
-          <a:bodyPr vert="horz" lIns="91440" tIns="45720" rIns="91440" bIns="45720" rtlCol="0" anchor="t">
-            <a:normAutofit/>
-          </a:bodyPr>
-          <a:lstStyle>
-            <a:lvl1pPr marL="0" indent="0" algn="l" defTabSz="457200" rtl="0" eaLnBrk="1" latinLnBrk="0" hangingPunct="1">
-              <a:spcBef>
-                <a:spcPts val="1000"/>
-              </a:spcBef>
-              <a:spcAft>
-                <a:spcPts val="0"/>
-              </a:spcAft>
-              <a:buClr>
-                <a:schemeClr val="accent1"/>
-              </a:buClr>
-              <a:buFont typeface="Wingdings 3" charset="2"/>
-              <a:buNone/>
-              <a:defRPr sz="2000" kern="1200">
-                <a:solidFill>
-                  <a:schemeClr val="tx1">
-                    <a:lumMod val="65000"/>
-                    <a:lumOff val="35000"/>
-                  </a:schemeClr>
-                </a:solidFill>
-                <a:latin typeface="+mn-lt"/>
-                <a:ea typeface="+mn-ea"/>
-                <a:cs typeface="+mn-cs"/>
-              </a:defRPr>
-            </a:lvl1pPr>
-            <a:lvl2pPr marL="457200" indent="0" algn="l" defTabSz="457200" rtl="0" eaLnBrk="1" latinLnBrk="0" hangingPunct="1">
-              <a:spcBef>
-                <a:spcPts val="1000"/>
-              </a:spcBef>
-              <a:spcAft>
-                <a:spcPts val="0"/>
-              </a:spcAft>
-              <a:buClr>
-                <a:schemeClr val="accent1"/>
-              </a:buClr>
-              <a:buFont typeface="Wingdings 3" charset="2"/>
-              <a:buNone/>
-              <a:defRPr sz="1800" kern="1200">
-                <a:solidFill>
-                  <a:schemeClr val="tx1">
-                    <a:tint val="75000"/>
-                  </a:schemeClr>
-                </a:solidFill>
-                <a:latin typeface="+mn-lt"/>
-                <a:ea typeface="+mn-ea"/>
-                <a:cs typeface="+mn-cs"/>
-              </a:defRPr>
-            </a:lvl2pPr>
-            <a:lvl3pPr marL="914400" indent="0" algn="l" defTabSz="457200" rtl="0" eaLnBrk="1" latinLnBrk="0" hangingPunct="1">
-              <a:spcBef>
-                <a:spcPts val="1000"/>
-              </a:spcBef>
-              <a:spcAft>
-                <a:spcPts val="0"/>
-              </a:spcAft>
-              <a:buClr>
-                <a:schemeClr val="accent1"/>
-              </a:buClr>
-              <a:buFont typeface="Wingdings 3" charset="2"/>
-              <a:buNone/>
-              <a:defRPr sz="1600" kern="1200">
-                <a:solidFill>
-                  <a:schemeClr val="tx1">
-                    <a:tint val="75000"/>
-                  </a:schemeClr>
-                </a:solidFill>
-                <a:latin typeface="+mn-lt"/>
-                <a:ea typeface="+mn-ea"/>
-                <a:cs typeface="+mn-cs"/>
-              </a:defRPr>
-            </a:lvl3pPr>
-            <a:lvl4pPr marL="1371600" indent="0" algn="l" defTabSz="457200" rtl="0" eaLnBrk="1" latinLnBrk="0" hangingPunct="1">
-              <a:spcBef>
-                <a:spcPts val="1000"/>
-              </a:spcBef>
-              <a:spcAft>
-                <a:spcPts val="0"/>
-              </a:spcAft>
-              <a:buClr>
-                <a:schemeClr val="accent1"/>
-              </a:buClr>
-              <a:buFont typeface="Wingdings 3" charset="2"/>
-              <a:buNone/>
-              <a:defRPr sz="1400" kern="1200">
-                <a:solidFill>
-                  <a:schemeClr val="tx1">
-                    <a:tint val="75000"/>
-                  </a:schemeClr>
-                </a:solidFill>
-                <a:latin typeface="+mn-lt"/>
-                <a:ea typeface="+mn-ea"/>
-                <a:cs typeface="+mn-cs"/>
-              </a:defRPr>
-            </a:lvl4pPr>
-            <a:lvl5pPr marL="1828800" indent="0" algn="l" defTabSz="457200" rtl="0" eaLnBrk="1" latinLnBrk="0" hangingPunct="1">
-              <a:spcBef>
-                <a:spcPts val="1000"/>
-              </a:spcBef>
-              <a:spcAft>
-                <a:spcPts val="0"/>
-              </a:spcAft>
-              <a:buClr>
-                <a:schemeClr val="accent1"/>
-              </a:buClr>
-              <a:buFont typeface="Wingdings 3" charset="2"/>
-              <a:buNone/>
-              <a:defRPr sz="1400" kern="1200">
-                <a:solidFill>
-                  <a:schemeClr val="tx1">
-                    <a:tint val="75000"/>
-                  </a:schemeClr>
-                </a:solidFill>
-                <a:latin typeface="+mn-lt"/>
-                <a:ea typeface="+mn-ea"/>
-                <a:cs typeface="+mn-cs"/>
-              </a:defRPr>
-            </a:lvl5pPr>
-            <a:lvl6pPr marL="2286000" indent="0" algn="l" defTabSz="457200" rtl="0" eaLnBrk="1" latinLnBrk="0" hangingPunct="1">
-              <a:spcBef>
-                <a:spcPts val="1000"/>
-              </a:spcBef>
-              <a:spcAft>
-                <a:spcPts val="0"/>
-              </a:spcAft>
-              <a:buClr>
-                <a:schemeClr val="accent1"/>
-              </a:buClr>
-              <a:buFont typeface="Wingdings 3" charset="2"/>
-              <a:buNone/>
-              <a:defRPr sz="1400" kern="1200">
-                <a:solidFill>
-                  <a:schemeClr val="tx1">
-                    <a:tint val="75000"/>
-                  </a:schemeClr>
-                </a:solidFill>
-                <a:latin typeface="+mn-lt"/>
-                <a:ea typeface="+mn-ea"/>
-                <a:cs typeface="+mn-cs"/>
-              </a:defRPr>
-            </a:lvl6pPr>
-            <a:lvl7pPr marL="2743200" indent="0" algn="l" defTabSz="457200" rtl="0" eaLnBrk="1" latinLnBrk="0" hangingPunct="1">
-              <a:spcBef>
-                <a:spcPts val="1000"/>
-              </a:spcBef>
-              <a:spcAft>
-                <a:spcPts val="0"/>
-              </a:spcAft>
-              <a:buClr>
-                <a:schemeClr val="accent1"/>
-              </a:buClr>
-              <a:buFont typeface="Wingdings 3" charset="2"/>
-              <a:buNone/>
-              <a:defRPr sz="1400" kern="1200">
-                <a:solidFill>
-                  <a:schemeClr val="tx1">
-                    <a:tint val="75000"/>
-                  </a:schemeClr>
-                </a:solidFill>
-                <a:latin typeface="+mn-lt"/>
-                <a:ea typeface="+mn-ea"/>
-                <a:cs typeface="+mn-cs"/>
-              </a:defRPr>
-            </a:lvl7pPr>
-            <a:lvl8pPr marL="3200400" indent="0" algn="l" defTabSz="457200" rtl="0" eaLnBrk="1" latinLnBrk="0" hangingPunct="1">
-              <a:spcBef>
-                <a:spcPts val="1000"/>
-              </a:spcBef>
-              <a:spcAft>
-                <a:spcPts val="0"/>
-              </a:spcAft>
-              <a:buClr>
-                <a:schemeClr val="accent1"/>
-              </a:buClr>
-              <a:buFont typeface="Wingdings 3" charset="2"/>
-              <a:buNone/>
-              <a:defRPr sz="1400" kern="1200">
-                <a:solidFill>
-                  <a:schemeClr val="tx1">
-                    <a:tint val="75000"/>
-                  </a:schemeClr>
-                </a:solidFill>
-                <a:latin typeface="+mn-lt"/>
-                <a:ea typeface="+mn-ea"/>
-                <a:cs typeface="+mn-cs"/>
-              </a:defRPr>
-            </a:lvl8pPr>
-            <a:lvl9pPr marL="3657600" indent="0" algn="l" defTabSz="457200" rtl="0" eaLnBrk="1" latinLnBrk="0" hangingPunct="1">
-              <a:spcBef>
-                <a:spcPts val="1000"/>
-              </a:spcBef>
-              <a:spcAft>
-                <a:spcPts val="0"/>
-              </a:spcAft>
-              <a:buClr>
-                <a:schemeClr val="accent1"/>
-              </a:buClr>
-              <a:buFont typeface="Wingdings 3" charset="2"/>
-              <a:buNone/>
-              <a:defRPr sz="1400" kern="1200">
-                <a:solidFill>
-                  <a:schemeClr val="tx1">
-                    <a:tint val="75000"/>
-                  </a:schemeClr>
-                </a:solidFill>
-                <a:latin typeface="+mn-lt"/>
-                <a:ea typeface="+mn-ea"/>
-                <a:cs typeface="+mn-cs"/>
-              </a:defRPr>
-            </a:lvl9pPr>
-          </a:lstStyle>
-          <a:p>
-            <a:br>
+          <a:bodyPr/>
+          <a:lstStyle/>
+          <a:p>
+            <a:r>
               <a:rPr lang="fr-CH" dirty="0"/>
-            </a:br>
-            <a:endParaRPr lang="fr-CH" dirty="0"/>
-          </a:p>
-        </p:txBody>
-      </p:sp>
-      <p:sp>
-        <p:nvSpPr>
-          <p:cNvPr id="5" name="Espace réservé du texte 2">
-            <a:extLst>
-              <a:ext uri="{FF2B5EF4-FFF2-40B4-BE49-F238E27FC236}">
-                <a16:creationId xmlns:a16="http://schemas.microsoft.com/office/drawing/2014/main" id="{B23FA0EB-35B7-42B0-B631-9D0CEB88F894}"/>
-              </a:ext>
-            </a:extLst>
-          </p:cNvPr>
-          <p:cNvSpPr txBox="1">
-            <a:spLocks/>
-          </p:cNvSpPr>
-          <p:nvPr/>
-        </p:nvSpPr>
-        <p:spPr>
-          <a:xfrm>
-            <a:off x="5758225" y="3543362"/>
-            <a:ext cx="1800000" cy="2969714"/>
-          </a:xfrm>
-          <a:prstGeom prst="rect">
-            <a:avLst/>
-          </a:prstGeom>
-        </p:spPr>
-        <p:txBody>
-          <a:bodyPr vert="horz" lIns="91440" tIns="45720" rIns="91440" bIns="45720" rtlCol="0" anchor="t">
-            <a:normAutofit/>
-          </a:bodyPr>
-          <a:lstStyle>
-            <a:lvl1pPr marL="0" indent="0" algn="l" defTabSz="457200" rtl="0" eaLnBrk="1" latinLnBrk="0" hangingPunct="1">
-              <a:spcBef>
-                <a:spcPts val="1000"/>
-              </a:spcBef>
-              <a:spcAft>
-                <a:spcPts val="0"/>
-              </a:spcAft>
-              <a:buClr>
-                <a:schemeClr val="accent1"/>
-              </a:buClr>
-              <a:buFont typeface="Wingdings 3" charset="2"/>
-              <a:buNone/>
-              <a:defRPr sz="2000" kern="1200">
-                <a:solidFill>
-                  <a:schemeClr val="tx1">
-                    <a:lumMod val="65000"/>
-                    <a:lumOff val="35000"/>
-                  </a:schemeClr>
-                </a:solidFill>
-                <a:latin typeface="+mn-lt"/>
-                <a:ea typeface="+mn-ea"/>
-                <a:cs typeface="+mn-cs"/>
-              </a:defRPr>
-            </a:lvl1pPr>
-            <a:lvl2pPr marL="457200" indent="0" algn="l" defTabSz="457200" rtl="0" eaLnBrk="1" latinLnBrk="0" hangingPunct="1">
-              <a:spcBef>
-                <a:spcPts val="1000"/>
-              </a:spcBef>
-              <a:spcAft>
-                <a:spcPts val="0"/>
-              </a:spcAft>
-              <a:buClr>
-                <a:schemeClr val="accent1"/>
-              </a:buClr>
-              <a:buFont typeface="Wingdings 3" charset="2"/>
-              <a:buNone/>
-              <a:defRPr sz="1800" kern="1200">
-                <a:solidFill>
-                  <a:schemeClr val="tx1">
-                    <a:tint val="75000"/>
-                  </a:schemeClr>
-                </a:solidFill>
-                <a:latin typeface="+mn-lt"/>
-                <a:ea typeface="+mn-ea"/>
-                <a:cs typeface="+mn-cs"/>
-              </a:defRPr>
-            </a:lvl2pPr>
-            <a:lvl3pPr marL="914400" indent="0" algn="l" defTabSz="457200" rtl="0" eaLnBrk="1" latinLnBrk="0" hangingPunct="1">
-              <a:spcBef>
-                <a:spcPts val="1000"/>
-              </a:spcBef>
-              <a:spcAft>
-                <a:spcPts val="0"/>
-              </a:spcAft>
-              <a:buClr>
-                <a:schemeClr val="accent1"/>
-              </a:buClr>
-              <a:buFont typeface="Wingdings 3" charset="2"/>
-              <a:buNone/>
-              <a:defRPr sz="1600" kern="1200">
-                <a:solidFill>
-                  <a:schemeClr val="tx1">
-                    <a:tint val="75000"/>
-                  </a:schemeClr>
-                </a:solidFill>
-                <a:latin typeface="+mn-lt"/>
-                <a:ea typeface="+mn-ea"/>
-                <a:cs typeface="+mn-cs"/>
-              </a:defRPr>
-            </a:lvl3pPr>
-            <a:lvl4pPr marL="1371600" indent="0" algn="l" defTabSz="457200" rtl="0" eaLnBrk="1" latinLnBrk="0" hangingPunct="1">
-              <a:spcBef>
-                <a:spcPts val="1000"/>
-              </a:spcBef>
-              <a:spcAft>
-                <a:spcPts val="0"/>
-              </a:spcAft>
-              <a:buClr>
-                <a:schemeClr val="accent1"/>
-              </a:buClr>
-              <a:buFont typeface="Wingdings 3" charset="2"/>
-              <a:buNone/>
-              <a:defRPr sz="1400" kern="1200">
-                <a:solidFill>
-                  <a:schemeClr val="tx1">
-                    <a:tint val="75000"/>
-                  </a:schemeClr>
-                </a:solidFill>
-                <a:latin typeface="+mn-lt"/>
-                <a:ea typeface="+mn-ea"/>
-                <a:cs typeface="+mn-cs"/>
-              </a:defRPr>
-            </a:lvl4pPr>
-            <a:lvl5pPr marL="1828800" indent="0" algn="l" defTabSz="457200" rtl="0" eaLnBrk="1" latinLnBrk="0" hangingPunct="1">
-              <a:spcBef>
-                <a:spcPts val="1000"/>
-              </a:spcBef>
-              <a:spcAft>
-                <a:spcPts val="0"/>
-              </a:spcAft>
-              <a:buClr>
-                <a:schemeClr val="accent1"/>
-              </a:buClr>
-              <a:buFont typeface="Wingdings 3" charset="2"/>
-              <a:buNone/>
-              <a:defRPr sz="1400" kern="1200">
-                <a:solidFill>
-                  <a:schemeClr val="tx1">
-                    <a:tint val="75000"/>
-                  </a:schemeClr>
-                </a:solidFill>
-                <a:latin typeface="+mn-lt"/>
-                <a:ea typeface="+mn-ea"/>
-                <a:cs typeface="+mn-cs"/>
-              </a:defRPr>
-            </a:lvl5pPr>
-            <a:lvl6pPr marL="2286000" indent="0" algn="l" defTabSz="457200" rtl="0" eaLnBrk="1" latinLnBrk="0" hangingPunct="1">
-              <a:spcBef>
-                <a:spcPts val="1000"/>
-              </a:spcBef>
-              <a:spcAft>
-                <a:spcPts val="0"/>
-              </a:spcAft>
-              <a:buClr>
-                <a:schemeClr val="accent1"/>
-              </a:buClr>
-              <a:buFont typeface="Wingdings 3" charset="2"/>
-              <a:buNone/>
-              <a:defRPr sz="1400" kern="1200">
-                <a:solidFill>
-                  <a:schemeClr val="tx1">
-                    <a:tint val="75000"/>
-                  </a:schemeClr>
-                </a:solidFill>
-                <a:latin typeface="+mn-lt"/>
-                <a:ea typeface="+mn-ea"/>
-                <a:cs typeface="+mn-cs"/>
-              </a:defRPr>
-            </a:lvl6pPr>
-            <a:lvl7pPr marL="2743200" indent="0" algn="l" defTabSz="457200" rtl="0" eaLnBrk="1" latinLnBrk="0" hangingPunct="1">
-              <a:spcBef>
-                <a:spcPts val="1000"/>
-              </a:spcBef>
-              <a:spcAft>
-                <a:spcPts val="0"/>
-              </a:spcAft>
-              <a:buClr>
-                <a:schemeClr val="accent1"/>
-              </a:buClr>
-              <a:buFont typeface="Wingdings 3" charset="2"/>
-              <a:buNone/>
-              <a:defRPr sz="1400" kern="1200">
-                <a:solidFill>
-                  <a:schemeClr val="tx1">
-                    <a:tint val="75000"/>
-                  </a:schemeClr>
-                </a:solidFill>
-                <a:latin typeface="+mn-lt"/>
-                <a:ea typeface="+mn-ea"/>
-                <a:cs typeface="+mn-cs"/>
-              </a:defRPr>
-            </a:lvl7pPr>
-            <a:lvl8pPr marL="3200400" indent="0" algn="l" defTabSz="457200" rtl="0" eaLnBrk="1" latinLnBrk="0" hangingPunct="1">
-              <a:spcBef>
-                <a:spcPts val="1000"/>
-              </a:spcBef>
-              <a:spcAft>
-                <a:spcPts val="0"/>
-              </a:spcAft>
-              <a:buClr>
-                <a:schemeClr val="accent1"/>
-              </a:buClr>
-              <a:buFont typeface="Wingdings 3" charset="2"/>
-              <a:buNone/>
-              <a:defRPr sz="1400" kern="1200">
-                <a:solidFill>
-                  <a:schemeClr val="tx1">
-                    <a:tint val="75000"/>
-                  </a:schemeClr>
-                </a:solidFill>
-                <a:latin typeface="+mn-lt"/>
-                <a:ea typeface="+mn-ea"/>
-                <a:cs typeface="+mn-cs"/>
-              </a:defRPr>
-            </a:lvl8pPr>
-            <a:lvl9pPr marL="3657600" indent="0" algn="l" defTabSz="457200" rtl="0" eaLnBrk="1" latinLnBrk="0" hangingPunct="1">
-              <a:spcBef>
-                <a:spcPts val="1000"/>
-              </a:spcBef>
-              <a:spcAft>
-                <a:spcPts val="0"/>
-              </a:spcAft>
-              <a:buClr>
-                <a:schemeClr val="accent1"/>
-              </a:buClr>
-              <a:buFont typeface="Wingdings 3" charset="2"/>
-              <a:buNone/>
-              <a:defRPr sz="1400" kern="1200">
-                <a:solidFill>
-                  <a:schemeClr val="tx1">
-                    <a:tint val="75000"/>
-                  </a:schemeClr>
-                </a:solidFill>
-                <a:latin typeface="+mn-lt"/>
-                <a:ea typeface="+mn-ea"/>
-                <a:cs typeface="+mn-cs"/>
-              </a:defRPr>
-            </a:lvl9pPr>
-          </a:lstStyle>
-          <a:p>
-            <a:endParaRPr lang="fr-CH" dirty="0"/>
-          </a:p>
-          <a:p>
-            <a:endParaRPr lang="fr-CH" dirty="0"/>
-          </a:p>
-          <a:p>
-            <a:endParaRPr lang="fr-CH" dirty="0"/>
-          </a:p>
-          <a:p>
-            <a:endParaRPr lang="fr-CH" dirty="0"/>
-          </a:p>
-          <a:p>
-            <a:endParaRPr lang="fr-CH" dirty="0"/>
-          </a:p>
-        </p:txBody>
-      </p:sp>
-      <p:graphicFrame>
-        <p:nvGraphicFramePr>
-          <p:cNvPr id="7" name="Tableau 6">
-            <a:extLst>
-              <a:ext uri="{FF2B5EF4-FFF2-40B4-BE49-F238E27FC236}">
-                <a16:creationId xmlns:a16="http://schemas.microsoft.com/office/drawing/2014/main" id="{6B8C1B92-3904-463C-9B9A-8EB141A02F04}"/>
-              </a:ext>
-            </a:extLst>
-          </p:cNvPr>
-          <p:cNvGraphicFramePr>
-            <a:graphicFrameLocks noGrp="1"/>
-          </p:cNvGraphicFramePr>
-          <p:nvPr>
-            <p:extLst>
-              <p:ext uri="{D42A27DB-BD31-4B8C-83A1-F6EECF244321}">
-                <p14:modId xmlns:p14="http://schemas.microsoft.com/office/powerpoint/2010/main" val="3718497311"/>
-              </p:ext>
-            </p:extLst>
-          </p:nvPr>
-        </p:nvGraphicFramePr>
-        <p:xfrm>
-          <a:off x="1696016" y="3788425"/>
-          <a:ext cx="6096000" cy="1854200"/>
-        </p:xfrm>
-        <a:graphic>
-          <a:graphicData uri="http://schemas.openxmlformats.org/drawingml/2006/table">
-            <a:tbl>
-              <a:tblPr firstRow="1" bandRow="1">
-                <a:tableStyleId>{5C22544A-7EE6-4342-B048-85BDC9FD1C3A}</a:tableStyleId>
-              </a:tblPr>
-              <a:tblGrid>
-                <a:gridCol w="2032000">
-                  <a:extLst>
-                    <a:ext uri="{9D8B030D-6E8A-4147-A177-3AD203B41FA5}">
-                      <a16:colId xmlns:a16="http://schemas.microsoft.com/office/drawing/2014/main" val="2629728671"/>
-                    </a:ext>
-                  </a:extLst>
-                </a:gridCol>
-                <a:gridCol w="2032000">
-                  <a:extLst>
-                    <a:ext uri="{9D8B030D-6E8A-4147-A177-3AD203B41FA5}">
-                      <a16:colId xmlns:a16="http://schemas.microsoft.com/office/drawing/2014/main" val="3474457533"/>
-                    </a:ext>
-                  </a:extLst>
-                </a:gridCol>
-                <a:gridCol w="2032000">
-                  <a:extLst>
-                    <a:ext uri="{9D8B030D-6E8A-4147-A177-3AD203B41FA5}">
-                      <a16:colId xmlns:a16="http://schemas.microsoft.com/office/drawing/2014/main" val="3083741631"/>
-                    </a:ext>
-                  </a:extLst>
-                </a:gridCol>
-              </a:tblGrid>
-              <a:tr h="370840">
-                <a:tc>
-                  <a:txBody>
-                    <a:bodyPr/>
-                    <a:lstStyle/>
-                    <a:p>
-                      <a:r>
-                        <a:rPr lang="fr-CH" dirty="0"/>
-                        <a:t>Product </a:t>
-                      </a:r>
-                      <a:r>
-                        <a:rPr lang="fr-CH" dirty="0" err="1"/>
-                        <a:t>Owner</a:t>
-                      </a:r>
-                      <a:endParaRPr lang="fr-CH" dirty="0"/>
-                    </a:p>
-                  </a:txBody>
-                  <a:tcPr/>
-                </a:tc>
-                <a:tc>
-                  <a:txBody>
-                    <a:bodyPr/>
-                    <a:lstStyle/>
-                    <a:p>
-                      <a:pPr marL="0" marR="0" lvl="0" indent="0" algn="l" defTabSz="457200" rtl="0" eaLnBrk="1" fontAlgn="auto" latinLnBrk="0" hangingPunct="1">
-                        <a:lnSpc>
-                          <a:spcPct val="100000"/>
-                        </a:lnSpc>
-                        <a:spcBef>
-                          <a:spcPts val="0"/>
-                        </a:spcBef>
-                        <a:spcAft>
-                          <a:spcPts val="0"/>
-                        </a:spcAft>
-                        <a:buClrTx/>
-                        <a:buSzTx/>
-                        <a:buFontTx/>
-                        <a:buNone/>
-                        <a:tabLst/>
-                        <a:defRPr/>
-                      </a:pPr>
-                      <a:r>
-                        <a:rPr lang="fr-CH" dirty="0"/>
-                        <a:t>Scrum Master</a:t>
-                      </a:r>
-                    </a:p>
-                  </a:txBody>
-                  <a:tcPr/>
-                </a:tc>
-                <a:tc>
-                  <a:txBody>
-                    <a:bodyPr/>
-                    <a:lstStyle/>
-                    <a:p>
-                      <a:r>
-                        <a:rPr lang="fr-CH" dirty="0" err="1"/>
-                        <a:t>DevTeam</a:t>
-                      </a:r>
-                      <a:endParaRPr lang="fr-CH" dirty="0"/>
-                    </a:p>
-                  </a:txBody>
-                  <a:tcPr/>
-                </a:tc>
-                <a:extLst>
-                  <a:ext uri="{0D108BD9-81ED-4DB2-BD59-A6C34878D82A}">
-                    <a16:rowId xmlns:a16="http://schemas.microsoft.com/office/drawing/2014/main" val="3443837867"/>
-                  </a:ext>
-                </a:extLst>
-              </a:tr>
-              <a:tr h="370840">
-                <a:tc>
-                  <a:txBody>
-                    <a:bodyPr/>
-                    <a:lstStyle/>
-                    <a:p>
-                      <a:r>
-                        <a:rPr lang="fr-CH" dirty="0"/>
-                        <a:t>E. </a:t>
-                      </a:r>
-                      <a:r>
-                        <a:rPr lang="fr-CH" dirty="0" err="1"/>
-                        <a:t>LeFrançois</a:t>
-                      </a:r>
-                      <a:endParaRPr lang="fr-CH" dirty="0"/>
-                    </a:p>
-                  </a:txBody>
-                  <a:tcPr/>
-                </a:tc>
-                <a:tc>
-                  <a:txBody>
-                    <a:bodyPr/>
-                    <a:lstStyle/>
-                    <a:p>
-                      <a:r>
-                        <a:rPr lang="fr-CH" dirty="0"/>
-                        <a:t>W. Koubaa</a:t>
-                      </a:r>
-                    </a:p>
-                  </a:txBody>
-                  <a:tcPr/>
-                </a:tc>
-                <a:tc>
-                  <a:txBody>
-                    <a:bodyPr/>
-                    <a:lstStyle/>
-                    <a:p>
-                      <a:pPr marL="0" marR="0" lvl="0" indent="0" algn="l" defTabSz="457200" rtl="0" eaLnBrk="1" fontAlgn="auto" latinLnBrk="0" hangingPunct="1">
-                        <a:lnSpc>
-                          <a:spcPct val="100000"/>
-                        </a:lnSpc>
-                        <a:spcBef>
-                          <a:spcPts val="0"/>
-                        </a:spcBef>
-                        <a:spcAft>
-                          <a:spcPts val="0"/>
-                        </a:spcAft>
-                        <a:buClrTx/>
-                        <a:buSzTx/>
-                        <a:buFontTx/>
-                        <a:buNone/>
-                        <a:tabLst/>
-                        <a:defRPr/>
-                      </a:pPr>
-                      <a:r>
-                        <a:rPr lang="fr-CH" dirty="0"/>
-                        <a:t>R. Gallay</a:t>
-                      </a:r>
-                    </a:p>
-                  </a:txBody>
-                  <a:tcPr/>
-                </a:tc>
-                <a:extLst>
-                  <a:ext uri="{0D108BD9-81ED-4DB2-BD59-A6C34878D82A}">
-                    <a16:rowId xmlns:a16="http://schemas.microsoft.com/office/drawing/2014/main" val="585789693"/>
-                  </a:ext>
-                </a:extLst>
-              </a:tr>
-              <a:tr h="370840">
-                <a:tc>
-                  <a:txBody>
-                    <a:bodyPr/>
-                    <a:lstStyle/>
-                    <a:p>
-                      <a:pPr marL="0" marR="0" lvl="0" indent="0" algn="l" defTabSz="457200" rtl="0" eaLnBrk="1" fontAlgn="auto" latinLnBrk="0" hangingPunct="1">
-                        <a:lnSpc>
-                          <a:spcPct val="100000"/>
-                        </a:lnSpc>
-                        <a:spcBef>
-                          <a:spcPts val="0"/>
-                        </a:spcBef>
-                        <a:spcAft>
-                          <a:spcPts val="0"/>
-                        </a:spcAft>
-                        <a:buClrTx/>
-                        <a:buSzTx/>
-                        <a:buFontTx/>
-                        <a:buNone/>
-                        <a:tabLst/>
-                        <a:defRPr/>
-                      </a:pPr>
-                      <a:r>
-                        <a:rPr lang="fr-CH" dirty="0"/>
-                        <a:t>C. Browne</a:t>
-                      </a:r>
-                    </a:p>
-                  </a:txBody>
-                  <a:tcPr/>
-                </a:tc>
-                <a:tc>
-                  <a:txBody>
-                    <a:bodyPr/>
-                    <a:lstStyle/>
-                    <a:p>
-                      <a:endParaRPr lang="fr-CH"/>
-                    </a:p>
-                  </a:txBody>
-                  <a:tcPr/>
-                </a:tc>
-                <a:tc>
-                  <a:txBody>
-                    <a:bodyPr/>
-                    <a:lstStyle/>
-                    <a:p>
-                      <a:r>
-                        <a:rPr lang="fr-CH" dirty="0"/>
-                        <a:t>W. Koubaa</a:t>
-                      </a:r>
-                    </a:p>
-                  </a:txBody>
-                  <a:tcPr/>
-                </a:tc>
-                <a:extLst>
-                  <a:ext uri="{0D108BD9-81ED-4DB2-BD59-A6C34878D82A}">
-                    <a16:rowId xmlns:a16="http://schemas.microsoft.com/office/drawing/2014/main" val="266885308"/>
-                  </a:ext>
-                </a:extLst>
-              </a:tr>
-              <a:tr h="370840">
-                <a:tc>
-                  <a:txBody>
-                    <a:bodyPr/>
-                    <a:lstStyle/>
-                    <a:p>
-                      <a:endParaRPr lang="fr-CH"/>
-                    </a:p>
-                  </a:txBody>
-                  <a:tcPr/>
-                </a:tc>
-                <a:tc>
-                  <a:txBody>
-                    <a:bodyPr/>
-                    <a:lstStyle/>
-                    <a:p>
-                      <a:endParaRPr lang="fr-CH"/>
-                    </a:p>
-                  </a:txBody>
-                  <a:tcPr/>
-                </a:tc>
-                <a:tc>
-                  <a:txBody>
-                    <a:bodyPr/>
-                    <a:lstStyle/>
-                    <a:p>
-                      <a:r>
-                        <a:rPr lang="fr-CH" dirty="0"/>
-                        <a:t>D. Muaremi</a:t>
-                      </a:r>
-                    </a:p>
-                  </a:txBody>
-                  <a:tcPr/>
-                </a:tc>
-                <a:extLst>
-                  <a:ext uri="{0D108BD9-81ED-4DB2-BD59-A6C34878D82A}">
-                    <a16:rowId xmlns:a16="http://schemas.microsoft.com/office/drawing/2014/main" val="315297815"/>
-                  </a:ext>
-                </a:extLst>
-              </a:tr>
-              <a:tr h="370840">
-                <a:tc>
-                  <a:txBody>
-                    <a:bodyPr/>
-                    <a:lstStyle/>
-                    <a:p>
-                      <a:endParaRPr lang="fr-CH"/>
-                    </a:p>
-                  </a:txBody>
-                  <a:tcPr/>
-                </a:tc>
-                <a:tc>
-                  <a:txBody>
-                    <a:bodyPr/>
-                    <a:lstStyle/>
-                    <a:p>
-                      <a:endParaRPr lang="fr-CH"/>
-                    </a:p>
-                  </a:txBody>
-                  <a:tcPr/>
-                </a:tc>
-                <a:tc>
-                  <a:txBody>
-                    <a:bodyPr/>
-                    <a:lstStyle/>
-                    <a:p>
-                      <a:r>
-                        <a:rPr lang="fr-CH" dirty="0"/>
-                        <a:t>A. Siu</a:t>
-                      </a:r>
-                    </a:p>
-                  </a:txBody>
-                  <a:tcPr/>
-                </a:tc>
-                <a:extLst>
-                  <a:ext uri="{0D108BD9-81ED-4DB2-BD59-A6C34878D82A}">
-                    <a16:rowId xmlns:a16="http://schemas.microsoft.com/office/drawing/2014/main" val="2959669143"/>
-                  </a:ext>
-                </a:extLst>
-              </a:tr>
-            </a:tbl>
-          </a:graphicData>
-        </a:graphic>
-      </p:graphicFrame>
+              <a:t>Un </a:t>
+            </a:r>
+            <a:r>
+              <a:rPr lang="fr-CH" dirty="0" err="1"/>
+              <a:t>Bomberman</a:t>
+            </a:r>
+            <a:r>
+              <a:rPr lang="fr-CH" dirty="0"/>
+              <a:t>-like</a:t>
+            </a:r>
+          </a:p>
+          <a:p>
+            <a:r>
+              <a:rPr lang="fr-CH" dirty="0"/>
+              <a:t>Adapté en multi-joueur</a:t>
+            </a:r>
+          </a:p>
+        </p:txBody>
+      </p:sp>
     </p:spTree>
     <p:extLst>
       <p:ext uri="{BB962C8B-B14F-4D97-AF65-F5344CB8AC3E}">
-        <p14:creationId xmlns:p14="http://schemas.microsoft.com/office/powerpoint/2010/main" val="880852416"/>
+        <p14:creationId xmlns:p14="http://schemas.microsoft.com/office/powerpoint/2010/main" val="3566442205"/>
       </p:ext>
     </p:extLst>
   </p:cSld>
   <p:clrMapOvr>
     <a:masterClrMapping/>
   </p:clrMapOvr>
-  <p:timing>
-    <p:tnLst>
-      <p:par>
-        <p:cTn id="1" dur="indefinite" restart="never" nodeType="tmRoot">
-          <p:childTnLst>
-            <p:seq concurrent="1" nextAc="seek">
-              <p:cTn id="2" dur="indefinite" nodeType="mainSeq">
-                <p:childTnLst>
-                  <p:par>
-                    <p:cTn id="3" fill="hold">
-                      <p:stCondLst>
-                        <p:cond delay="indefinite"/>
-                      </p:stCondLst>
-                      <p:childTnLst>
-                        <p:par>
-                          <p:cTn id="4" fill="hold">
-                            <p:stCondLst>
-                              <p:cond delay="0"/>
-                            </p:stCondLst>
-                            <p:childTnLst>
-                              <p:par>
-                                <p:cTn id="5" presetID="1" presetClass="entr" presetSubtype="0" fill="hold" grpId="0" nodeType="clickEffect">
-                                  <p:stCondLst>
-                                    <p:cond delay="0"/>
-                                  </p:stCondLst>
-                                  <p:childTnLst>
-                                    <p:set>
-                                      <p:cBhvr>
-                                        <p:cTn id="6" dur="1" fill="hold">
-                                          <p:stCondLst>
-                                            <p:cond delay="0"/>
-                                          </p:stCondLst>
-                                        </p:cTn>
-                                        <p:tgtEl>
-                                          <p:spTgt spid="4"/>
-                                        </p:tgtEl>
-                                        <p:attrNameLst>
-                                          <p:attrName>style.visibility</p:attrName>
-                                        </p:attrNameLst>
-                                      </p:cBhvr>
-                                      <p:to>
-                                        <p:strVal val="visible"/>
-                                      </p:to>
-                                    </p:set>
-                                  </p:childTnLst>
-                                </p:cTn>
-                              </p:par>
-                            </p:childTnLst>
-                          </p:cTn>
-                        </p:par>
-                      </p:childTnLst>
-                    </p:cTn>
-                  </p:par>
-                  <p:par>
-                    <p:cTn id="7" fill="hold">
-                      <p:stCondLst>
-                        <p:cond delay="indefinite"/>
-                      </p:stCondLst>
-                      <p:childTnLst>
-                        <p:par>
-                          <p:cTn id="8" fill="hold">
-                            <p:stCondLst>
-                              <p:cond delay="0"/>
-                            </p:stCondLst>
-                            <p:childTnLst>
-                              <p:par>
-                                <p:cTn id="9" presetID="1" presetClass="entr" presetSubtype="0" fill="hold" grpId="0" nodeType="clickEffect" nodePh="1">
-                                  <p:stCondLst>
-                                    <p:cond delay="0"/>
-                                  </p:stCondLst>
-                                  <p:endCondLst>
-                                    <p:cond evt="begin" delay="0">
-                                      <p:tn val="9"/>
-                                    </p:cond>
-                                  </p:endCondLst>
-                                  <p:childTnLst>
-                                    <p:set>
-                                      <p:cBhvr>
-                                        <p:cTn id="10" dur="1" fill="hold">
-                                          <p:stCondLst>
-                                            <p:cond delay="0"/>
-                                          </p:stCondLst>
-                                        </p:cTn>
-                                        <p:tgtEl>
-                                          <p:spTgt spid="5"/>
-                                        </p:tgtEl>
-                                        <p:attrNameLst>
-                                          <p:attrName>style.visibility</p:attrName>
-                                        </p:attrNameLst>
-                                      </p:cBhvr>
-                                      <p:to>
-                                        <p:strVal val="visible"/>
-                                      </p:to>
-                                    </p:set>
-                                  </p:childTnLst>
-                                </p:cTn>
-                              </p:par>
-                            </p:childTnLst>
-                          </p:cTn>
-                        </p:par>
-                      </p:childTnLst>
-                    </p:cTn>
-                  </p:par>
-                  <p:par>
-                    <p:cTn id="11" fill="hold">
-                      <p:stCondLst>
-                        <p:cond delay="indefinite"/>
-                      </p:stCondLst>
-                      <p:childTnLst>
-                        <p:par>
-                          <p:cTn id="12" fill="hold">
-                            <p:stCondLst>
-                              <p:cond delay="0"/>
-                            </p:stCondLst>
-                            <p:childTnLst>
-                              <p:par>
-                                <p:cTn id="13" presetID="1" presetClass="entr" presetSubtype="0" fill="hold" nodeType="clickEffect">
-                                  <p:stCondLst>
-                                    <p:cond delay="0"/>
-                                  </p:stCondLst>
-                                  <p:childTnLst>
-                                    <p:set>
-                                      <p:cBhvr>
-                                        <p:cTn id="14" dur="1" fill="hold">
-                                          <p:stCondLst>
-                                            <p:cond delay="0"/>
-                                          </p:stCondLst>
-                                        </p:cTn>
-                                        <p:tgtEl>
-                                          <p:spTgt spid="7"/>
-                                        </p:tgtEl>
-                                        <p:attrNameLst>
-                                          <p:attrName>style.visibility</p:attrName>
-                                        </p:attrNameLst>
-                                      </p:cBhvr>
-                                      <p:to>
-                                        <p:strVal val="visible"/>
-                                      </p:to>
-                                    </p:set>
-                                  </p:childTnLst>
-                                </p:cTn>
-                              </p:par>
-                            </p:childTnLst>
-                          </p:cTn>
-                        </p:par>
-                      </p:childTnLst>
-                    </p:cTn>
-                  </p:par>
-                </p:childTnLst>
-              </p:cTn>
-              <p:prevCondLst>
-                <p:cond evt="onPrev" delay="0">
-                  <p:tgtEl>
-                    <p:sldTgt/>
-                  </p:tgtEl>
-                </p:cond>
-              </p:prevCondLst>
-              <p:nextCondLst>
-                <p:cond evt="onNext" delay="0">
-                  <p:tgtEl>
-                    <p:sldTgt/>
-                  </p:tgtEl>
-                </p:cond>
-              </p:nextCondLst>
-            </p:seq>
-          </p:childTnLst>
-        </p:cTn>
-      </p:par>
-    </p:tnLst>
-    <p:bldLst>
-      <p:bldP spid="4" grpId="0"/>
-      <p:bldP spid="5" grpId="0"/>
-    </p:bldLst>
-  </p:timing>
 </p:sld>
 </file>
 
@@ -9284,10 +8241,10 @@
       </p:grpSpPr>
       <p:sp>
         <p:nvSpPr>
-          <p:cNvPr id="2" name="Titre 1">
+          <p:cNvPr id="2" name="Title 1">
             <a:extLst>
               <a:ext uri="{FF2B5EF4-FFF2-40B4-BE49-F238E27FC236}">
-                <a16:creationId xmlns:a16="http://schemas.microsoft.com/office/drawing/2014/main" id="{B272BF26-6C22-4E2A-93EB-F26E20B77F5C}"/>
+                <a16:creationId xmlns:a16="http://schemas.microsoft.com/office/drawing/2014/main" id="{B6CC4A8E-96FF-4B41-8ECB-4E7B24A9277B}"/>
               </a:ext>
             </a:extLst>
           </p:cNvPr>
@@ -9304,19 +8261,18 @@
           <a:lstStyle/>
           <a:p>
             <a:r>
-              <a:rPr lang="fr-CH" dirty="0" err="1"/>
-              <a:t>Nukemap</a:t>
-            </a:r>
-            <a:endParaRPr lang="fr-CH" dirty="0"/>
-          </a:p>
-        </p:txBody>
-      </p:sp>
-      <p:sp>
-        <p:nvSpPr>
-          <p:cNvPr id="3" name="Espace réservé du texte 2">
+              <a:rPr lang="fr-CH" dirty="0"/>
+              <a:t>Technologies utilisées</a:t>
+            </a:r>
+          </a:p>
+        </p:txBody>
+      </p:sp>
+      <p:sp>
+        <p:nvSpPr>
+          <p:cNvPr id="3" name="Text Placeholder 2">
             <a:extLst>
               <a:ext uri="{FF2B5EF4-FFF2-40B4-BE49-F238E27FC236}">
-                <a16:creationId xmlns:a16="http://schemas.microsoft.com/office/drawing/2014/main" id="{A7365E3C-1D59-45AF-9967-AA5FF7E2AD7D}"/>
+                <a16:creationId xmlns:a16="http://schemas.microsoft.com/office/drawing/2014/main" id="{0DDAD27F-D233-4E67-A424-D2F6D8139BB2}"/>
               </a:ext>
             </a:extLst>
           </p:cNvPr>
@@ -9329,42 +8285,38 @@
         </p:nvSpPr>
         <p:spPr>
           <a:xfrm>
-            <a:off x="1942415" y="3581399"/>
-            <a:ext cx="6591985" cy="1814466"/>
+            <a:off x="1942415" y="3581400"/>
+            <a:ext cx="6591985" cy="1820594"/>
           </a:xfrm>
         </p:spPr>
         <p:txBody>
-          <a:bodyPr/>
+          <a:bodyPr>
+            <a:normAutofit fontScale="92500" lnSpcReduction="20000"/>
+          </a:bodyPr>
           <a:lstStyle/>
           <a:p>
             <a:r>
+              <a:rPr lang="fr-CH" dirty="0" err="1"/>
+              <a:t>Libgdx</a:t>
+            </a:r>
+            <a:endParaRPr lang="fr-CH" dirty="0"/>
+          </a:p>
+          <a:p>
+            <a:r>
               <a:rPr lang="fr-CH" dirty="0"/>
-              <a:t>Un </a:t>
-            </a:r>
-            <a:r>
-              <a:rPr lang="fr-CH" dirty="0" err="1"/>
-              <a:t>Bomberman</a:t>
-            </a:r>
+              <a:t>Fichiers JSON</a:t>
+            </a:r>
+          </a:p>
+          <a:p>
             <a:r>
               <a:rPr lang="fr-CH" dirty="0"/>
-              <a:t>-like</a:t>
+              <a:t>Java (client)</a:t>
             </a:r>
           </a:p>
           <a:p>
             <a:r>
               <a:rPr lang="fr-CH" dirty="0"/>
-              <a:t>Fait avec </a:t>
-            </a:r>
-            <a:r>
-              <a:rPr lang="fr-CH" dirty="0" err="1"/>
-              <a:t>LibGDX</a:t>
-            </a:r>
-            <a:endParaRPr lang="fr-CH" dirty="0"/>
-          </a:p>
-          <a:p>
-            <a:r>
-              <a:rPr lang="fr-CH" dirty="0"/>
-              <a:t>Et surtout avec beaucoup de bonne humeur</a:t>
+              <a:t>Node.js (serveur)</a:t>
             </a:r>
           </a:p>
         </p:txBody>
@@ -9372,7 +8324,7 @@
     </p:spTree>
     <p:extLst>
       <p:ext uri="{BB962C8B-B14F-4D97-AF65-F5344CB8AC3E}">
-        <p14:creationId xmlns:p14="http://schemas.microsoft.com/office/powerpoint/2010/main" val="3566442205"/>
+        <p14:creationId xmlns:p14="http://schemas.microsoft.com/office/powerpoint/2010/main" val="2385759468"/>
       </p:ext>
     </p:extLst>
   </p:cSld>
@@ -9404,7 +8356,7 @@
           <p:cNvPr id="2" name="Titre 1">
             <a:extLst>
               <a:ext uri="{FF2B5EF4-FFF2-40B4-BE49-F238E27FC236}">
-                <a16:creationId xmlns:a16="http://schemas.microsoft.com/office/drawing/2014/main" id="{BE234F1A-C648-44B5-B947-53C6E4CE2F6E}"/>
+                <a16:creationId xmlns:a16="http://schemas.microsoft.com/office/drawing/2014/main" id="{6A427141-9E14-4680-BF94-879C372717F7}"/>
               </a:ext>
             </a:extLst>
           </p:cNvPr>
@@ -9421,9 +8373,10 @@
           <a:lstStyle/>
           <a:p>
             <a:r>
-              <a:rPr lang="fr-CH" dirty="0"/>
-              <a:t>État des lieux</a:t>
-            </a:r>
+              <a:rPr lang="fr-CH" dirty="0" err="1"/>
+              <a:t>IceScrum</a:t>
+            </a:r>
+            <a:endParaRPr lang="fr-CH" dirty="0"/>
           </a:p>
         </p:txBody>
       </p:sp>
@@ -9432,7 +8385,7 @@
           <p:cNvPr id="3" name="Espace réservé du texte 2">
             <a:extLst>
               <a:ext uri="{FF2B5EF4-FFF2-40B4-BE49-F238E27FC236}">
-                <a16:creationId xmlns:a16="http://schemas.microsoft.com/office/drawing/2014/main" id="{5A225932-A5DC-4733-B100-1127BC0433CF}"/>
+                <a16:creationId xmlns:a16="http://schemas.microsoft.com/office/drawing/2014/main" id="{B02528AE-DD79-4F39-9DE1-A3CA01C55BC9}"/>
               </a:ext>
             </a:extLst>
           </p:cNvPr>
@@ -9446,28 +8399,30 @@
         <p:spPr>
           <a:xfrm>
             <a:off x="1942415" y="3581399"/>
-            <a:ext cx="6591985" cy="1714877"/>
+            <a:ext cx="6591985" cy="1895947"/>
           </a:xfrm>
         </p:spPr>
         <p:txBody>
-          <a:bodyPr/>
+          <a:bodyPr>
+            <a:normAutofit/>
+          </a:bodyPr>
           <a:lstStyle/>
           <a:p>
             <a:r>
               <a:rPr lang="fr-CH" dirty="0"/>
-              <a:t>Ce qui est fait</a:t>
+              <a:t>La méthodologie agile</a:t>
             </a:r>
           </a:p>
           <a:p>
             <a:r>
               <a:rPr lang="fr-CH" dirty="0"/>
-              <a:t>Ce qui manque</a:t>
+              <a:t>Le suivi</a:t>
             </a:r>
           </a:p>
           <a:p>
             <a:r>
               <a:rPr lang="fr-CH" dirty="0"/>
-              <a:t>Ce qui est a amélioré</a:t>
+              <a:t>Notre avis</a:t>
             </a:r>
           </a:p>
         </p:txBody>
@@ -9475,7 +8430,7 @@
     </p:spTree>
     <p:extLst>
       <p:ext uri="{BB962C8B-B14F-4D97-AF65-F5344CB8AC3E}">
-        <p14:creationId xmlns:p14="http://schemas.microsoft.com/office/powerpoint/2010/main" val="1434891877"/>
+        <p14:creationId xmlns:p14="http://schemas.microsoft.com/office/powerpoint/2010/main" val="2886209416"/>
       </p:ext>
     </p:extLst>
   </p:cSld>
@@ -9507,7 +8462,7 @@
           <p:cNvPr id="2" name="Titre 1">
             <a:extLst>
               <a:ext uri="{FF2B5EF4-FFF2-40B4-BE49-F238E27FC236}">
-                <a16:creationId xmlns:a16="http://schemas.microsoft.com/office/drawing/2014/main" id="{6A427141-9E14-4680-BF94-879C372717F7}"/>
+                <a16:creationId xmlns:a16="http://schemas.microsoft.com/office/drawing/2014/main" id="{BE234F1A-C648-44B5-B947-53C6E4CE2F6E}"/>
               </a:ext>
             </a:extLst>
           </p:cNvPr>
@@ -9524,10 +8479,9 @@
           <a:lstStyle/>
           <a:p>
             <a:r>
-              <a:rPr lang="fr-CH" dirty="0" err="1"/>
-              <a:t>IceScrum</a:t>
-            </a:r>
-            <a:endParaRPr lang="fr-CH" dirty="0"/>
+              <a:rPr lang="fr-CH" dirty="0"/>
+              <a:t>État des lieux</a:t>
+            </a:r>
           </a:p>
         </p:txBody>
       </p:sp>
@@ -9536,7 +8490,7 @@
           <p:cNvPr id="3" name="Espace réservé du texte 2">
             <a:extLst>
               <a:ext uri="{FF2B5EF4-FFF2-40B4-BE49-F238E27FC236}">
-                <a16:creationId xmlns:a16="http://schemas.microsoft.com/office/drawing/2014/main" id="{B02528AE-DD79-4F39-9DE1-A3CA01C55BC9}"/>
+                <a16:creationId xmlns:a16="http://schemas.microsoft.com/office/drawing/2014/main" id="{5A225932-A5DC-4733-B100-1127BC0433CF}"/>
               </a:ext>
             </a:extLst>
           </p:cNvPr>
@@ -9550,30 +8504,28 @@
         <p:spPr>
           <a:xfrm>
             <a:off x="1942415" y="3581399"/>
-            <a:ext cx="6591985" cy="1895947"/>
+            <a:ext cx="6591985" cy="1714877"/>
           </a:xfrm>
         </p:spPr>
         <p:txBody>
-          <a:bodyPr>
-            <a:normAutofit lnSpcReduction="10000"/>
-          </a:bodyPr>
+          <a:bodyPr/>
           <a:lstStyle/>
           <a:p>
             <a:r>
               <a:rPr lang="fr-CH" dirty="0"/>
-              <a:t>La méthodologie agile</a:t>
+              <a:t>Objectifs atteints</a:t>
             </a:r>
           </a:p>
           <a:p>
             <a:r>
               <a:rPr lang="fr-CH" dirty="0"/>
-              <a:t>Le suivi</a:t>
+              <a:t>Ce qu’il reste à implémenter</a:t>
             </a:r>
           </a:p>
           <a:p>
             <a:r>
               <a:rPr lang="fr-CH" dirty="0"/>
-              <a:t>Ce qui nous a plus et ce qui nous a moins plus</a:t>
+              <a:t>Améliorations possibles</a:t>
             </a:r>
           </a:p>
         </p:txBody>
@@ -9581,7 +8533,7 @@
     </p:spTree>
     <p:extLst>
       <p:ext uri="{BB962C8B-B14F-4D97-AF65-F5344CB8AC3E}">
-        <p14:creationId xmlns:p14="http://schemas.microsoft.com/office/powerpoint/2010/main" val="2886209416"/>
+        <p14:creationId xmlns:p14="http://schemas.microsoft.com/office/powerpoint/2010/main" val="1434891877"/>
       </p:ext>
     </p:extLst>
   </p:cSld>
@@ -9664,8 +8616,20 @@
           <a:p>
             <a:r>
               <a:rPr lang="fr-CH" dirty="0"/>
-              <a:t>Nos problèmes et nos solutions</a:t>
-            </a:r>
+              <a:t>Physique dans </a:t>
+            </a:r>
+            <a:r>
+              <a:rPr lang="fr-CH" dirty="0" err="1"/>
+              <a:t>LibGDX</a:t>
+            </a:r>
+            <a:endParaRPr lang="fr-CH" dirty="0"/>
+          </a:p>
+          <a:p>
+            <a:r>
+              <a:rPr lang="fr-CH" dirty="0" err="1"/>
+              <a:t>Icescrum</a:t>
+            </a:r>
+            <a:endParaRPr lang="fr-CH" dirty="0"/>
           </a:p>
         </p:txBody>
       </p:sp>

--- a/presentation.pptx
+++ b/presentation.pptx
@@ -8297,7 +8297,7 @@
           <a:p>
             <a:r>
               <a:rPr lang="fr-CH" dirty="0" err="1"/>
-              <a:t>Libgdx</a:t>
+              <a:t>LibGDX</a:t>
             </a:r>
             <a:endParaRPr lang="fr-CH" dirty="0"/>
           </a:p>
@@ -8626,6 +8626,10 @@
           </a:p>
           <a:p>
             <a:r>
+              <a:rPr lang="fr-CH" dirty="0"/>
+              <a:t>Plateforme </a:t>
+            </a:r>
+            <a:r>
               <a:rPr lang="fr-CH" dirty="0" err="1"/>
               <a:t>Icescrum</a:t>
             </a:r>
@@ -8719,13 +8723,13 @@
           <a:p>
             <a:r>
               <a:rPr lang="fr-CH" dirty="0"/>
-              <a:t>Le projet</a:t>
+              <a:t>Gestion du projet</a:t>
             </a:r>
           </a:p>
           <a:p>
             <a:r>
               <a:rPr lang="fr-CH" dirty="0"/>
-              <a:t>Le groupe</a:t>
+              <a:t>Travail en groupe</a:t>
             </a:r>
           </a:p>
         </p:txBody>
